--- a/PPT/3. Azure Machine Learning, Azure Databricks, ahora Azure Synapse.pptx
+++ b/PPT/3. Azure Machine Learning, Azure Databricks, ahora Azure Synapse.pptx
@@ -278,7 +278,7 @@
               <a:rPr lang="en-US" smtClean="0">
                 <a:latin typeface="Segoe UI" pitchFamily="34" charset="0"/>
               </a:rPr>
-              <a:t>1/10/2021 2:59 PM</a:t>
+              <a:t>1/11/2021 10:11 AM</a:t>
             </a:fld>
             <a:endParaRPr lang="en-US">
               <a:latin typeface="Segoe UI" pitchFamily="34" charset="0"/>
@@ -556,7 +556,7 @@
           <a:p>
             <a:fld id="{386CE63F-9E7F-4C04-9D0D-FCA25A8E9E86}" type="datetime8">
               <a:rPr lang="en-US" smtClean="0"/>
-              <a:t>1/10/2021 2:58 PM</a:t>
+              <a:t>1/11/2021 10:11 AM</a:t>
             </a:fld>
             <a:endParaRPr lang="en-US"/>
           </a:p>
@@ -1420,66 +1420,6 @@
           </a:p>
         </p:txBody>
       </p:sp>
-      <p:pic>
-        <p:nvPicPr>
-          <p:cNvPr id="5" name="Imagen 4">
-            <a:extLst>
-              <a:ext uri="{FF2B5EF4-FFF2-40B4-BE49-F238E27FC236}">
-                <a16:creationId xmlns:a16="http://schemas.microsoft.com/office/drawing/2014/main" id="{E7846672-14B7-4DA0-BE43-CF16928D38A3}"/>
-              </a:ext>
-            </a:extLst>
-          </p:cNvPr>
-          <p:cNvPicPr>
-            <a:picLocks noChangeAspect="1"/>
-          </p:cNvPicPr>
-          <p:nvPr userDrawn="1"/>
-        </p:nvPicPr>
-        <p:blipFill>
-          <a:blip r:embed="rId2"/>
-          <a:stretch>
-            <a:fillRect/>
-          </a:stretch>
-        </p:blipFill>
-        <p:spPr>
-          <a:xfrm>
-            <a:off x="6038054" y="5126102"/>
-            <a:ext cx="2243624" cy="690346"/>
-          </a:xfrm>
-          <a:prstGeom prst="rect">
-            <a:avLst/>
-          </a:prstGeom>
-        </p:spPr>
-      </p:pic>
-      <p:pic>
-        <p:nvPicPr>
-          <p:cNvPr id="23" name="Imagen 22">
-            <a:extLst>
-              <a:ext uri="{FF2B5EF4-FFF2-40B4-BE49-F238E27FC236}">
-                <a16:creationId xmlns:a16="http://schemas.microsoft.com/office/drawing/2014/main" id="{62792325-A6A2-4C4C-A58F-0C4A98B04D25}"/>
-              </a:ext>
-            </a:extLst>
-          </p:cNvPr>
-          <p:cNvPicPr>
-            <a:picLocks noChangeAspect="1"/>
-          </p:cNvPicPr>
-          <p:nvPr userDrawn="1"/>
-        </p:nvPicPr>
-        <p:blipFill>
-          <a:blip r:embed="rId3"/>
-          <a:stretch>
-            <a:fillRect/>
-          </a:stretch>
-        </p:blipFill>
-        <p:spPr>
-          <a:xfrm>
-            <a:off x="8539558" y="5733198"/>
-            <a:ext cx="1582743" cy="586201"/>
-          </a:xfrm>
-          <a:prstGeom prst="rect">
-            <a:avLst/>
-          </a:prstGeom>
-        </p:spPr>
-      </p:pic>
       <p:graphicFrame>
         <p:nvGraphicFramePr>
           <p:cNvPr id="28" name="Objeto 27">
@@ -1508,12 +1448,12 @@
           <a:graphicData uri="http://schemas.openxmlformats.org/presentationml/2006/ole">
             <mc:AlternateContent xmlns:mc="http://schemas.openxmlformats.org/markup-compatibility/2006">
               <mc:Choice xmlns:v="urn:schemas-microsoft-com:vml" Requires="v">
-                <p:oleObj name="CorelDRAW" r:id="rId4" imgW="10437565" imgH="1396161" progId="CorelDraw.Graphic.21">
+                <p:oleObj name="CorelDRAW" r:id="rId2" imgW="10437565" imgH="1396161" progId="CorelDraw.Graphic.21">
                   <p:embed/>
                 </p:oleObj>
               </mc:Choice>
               <mc:Fallback>
-                <p:oleObj name="CorelDRAW" r:id="rId4" imgW="10437565" imgH="1396161" progId="CorelDraw.Graphic.21">
+                <p:oleObj name="CorelDRAW" r:id="rId2" imgW="10437565" imgH="1396161" progId="CorelDraw.Graphic.21">
                   <p:embed/>
                   <p:pic>
                     <p:nvPicPr>
@@ -1528,7 +1468,7 @@
                       <p:nvPr/>
                     </p:nvPicPr>
                     <p:blipFill>
-                      <a:blip r:embed="rId5"/>
+                      <a:blip r:embed="rId3"/>
                       <a:stretch>
                         <a:fillRect/>
                       </a:stretch>
@@ -1549,126 +1489,6 @@
           </a:graphicData>
         </a:graphic>
       </p:graphicFrame>
-      <p:pic>
-        <p:nvPicPr>
-          <p:cNvPr id="22" name="Imagen 21">
-            <a:extLst>
-              <a:ext uri="{FF2B5EF4-FFF2-40B4-BE49-F238E27FC236}">
-                <a16:creationId xmlns:a16="http://schemas.microsoft.com/office/drawing/2014/main" id="{EB90AF3C-936D-4D44-BFFA-A635C3D9EC15}"/>
-              </a:ext>
-            </a:extLst>
-          </p:cNvPr>
-          <p:cNvPicPr>
-            <a:picLocks noChangeAspect="1"/>
-          </p:cNvPicPr>
-          <p:nvPr userDrawn="1"/>
-        </p:nvPicPr>
-        <p:blipFill>
-          <a:blip r:embed="rId6"/>
-          <a:stretch>
-            <a:fillRect/>
-          </a:stretch>
-        </p:blipFill>
-        <p:spPr>
-          <a:xfrm>
-            <a:off x="1494915" y="5537785"/>
-            <a:ext cx="2015855" cy="620263"/>
-          </a:xfrm>
-          <a:prstGeom prst="rect">
-            <a:avLst/>
-          </a:prstGeom>
-        </p:spPr>
-      </p:pic>
-      <p:pic>
-        <p:nvPicPr>
-          <p:cNvPr id="24" name="Imagen 23">
-            <a:extLst>
-              <a:ext uri="{FF2B5EF4-FFF2-40B4-BE49-F238E27FC236}">
-                <a16:creationId xmlns:a16="http://schemas.microsoft.com/office/drawing/2014/main" id="{9A581694-116D-4273-8957-E6C28A72B8B6}"/>
-              </a:ext>
-            </a:extLst>
-          </p:cNvPr>
-          <p:cNvPicPr>
-            <a:picLocks noChangeAspect="1"/>
-          </p:cNvPicPr>
-          <p:nvPr userDrawn="1"/>
-        </p:nvPicPr>
-        <p:blipFill>
-          <a:blip r:embed="rId7"/>
-          <a:stretch>
-            <a:fillRect/>
-          </a:stretch>
-        </p:blipFill>
-        <p:spPr>
-          <a:xfrm>
-            <a:off x="3816249" y="5203641"/>
-            <a:ext cx="2144054" cy="560669"/>
-          </a:xfrm>
-          <a:prstGeom prst="rect">
-            <a:avLst/>
-          </a:prstGeom>
-        </p:spPr>
-      </p:pic>
-      <p:pic>
-        <p:nvPicPr>
-          <p:cNvPr id="26" name="Imagen 25">
-            <a:extLst>
-              <a:ext uri="{FF2B5EF4-FFF2-40B4-BE49-F238E27FC236}">
-                <a16:creationId xmlns:a16="http://schemas.microsoft.com/office/drawing/2014/main" id="{5E015451-231A-4C28-BCF7-34141037A2EC}"/>
-              </a:ext>
-            </a:extLst>
-          </p:cNvPr>
-          <p:cNvPicPr>
-            <a:picLocks noChangeAspect="1"/>
-          </p:cNvPicPr>
-          <p:nvPr userDrawn="1"/>
-        </p:nvPicPr>
-        <p:blipFill>
-          <a:blip r:embed="rId8"/>
-          <a:stretch>
-            <a:fillRect/>
-          </a:stretch>
-        </p:blipFill>
-        <p:spPr>
-          <a:xfrm>
-            <a:off x="3860320" y="5847917"/>
-            <a:ext cx="1905154" cy="586201"/>
-          </a:xfrm>
-          <a:prstGeom prst="rect">
-            <a:avLst/>
-          </a:prstGeom>
-        </p:spPr>
-      </p:pic>
-      <p:pic>
-        <p:nvPicPr>
-          <p:cNvPr id="33" name="Imagen 32">
-            <a:extLst>
-              <a:ext uri="{FF2B5EF4-FFF2-40B4-BE49-F238E27FC236}">
-                <a16:creationId xmlns:a16="http://schemas.microsoft.com/office/drawing/2014/main" id="{13444165-BAE5-4873-BF7F-7492191AA9F3}"/>
-              </a:ext>
-            </a:extLst>
-          </p:cNvPr>
-          <p:cNvPicPr>
-            <a:picLocks noChangeAspect="1"/>
-          </p:cNvPicPr>
-          <p:nvPr userDrawn="1"/>
-        </p:nvPicPr>
-        <p:blipFill>
-          <a:blip r:embed="rId9"/>
-          <a:stretch>
-            <a:fillRect/>
-          </a:stretch>
-        </p:blipFill>
-        <p:spPr>
-          <a:xfrm>
-            <a:off x="6259691" y="5936432"/>
-            <a:ext cx="1800350" cy="409170"/>
-          </a:xfrm>
-          <a:prstGeom prst="rect">
-            <a:avLst/>
-          </a:prstGeom>
-        </p:spPr>
-      </p:pic>
       <p:sp>
         <p:nvSpPr>
           <p:cNvPr id="47" name="Title 1">
@@ -1947,12 +1767,12 @@
           <a:graphicData uri="http://schemas.openxmlformats.org/presentationml/2006/ole">
             <mc:AlternateContent xmlns:mc="http://schemas.openxmlformats.org/markup-compatibility/2006">
               <mc:Choice xmlns:v="urn:schemas-microsoft-com:vml" Requires="v">
-                <p:oleObj name="CorelDRAW" r:id="rId10" imgW="1486020" imgH="1396161" progId="CorelDraw.Graphic.21">
+                <p:oleObj name="CorelDRAW" r:id="rId4" imgW="1486020" imgH="1396161" progId="CorelDraw.Graphic.21">
                   <p:embed/>
                 </p:oleObj>
               </mc:Choice>
               <mc:Fallback>
-                <p:oleObj name="CorelDRAW" r:id="rId10" imgW="1486020" imgH="1396161" progId="CorelDraw.Graphic.21">
+                <p:oleObj name="CorelDRAW" r:id="rId4" imgW="1486020" imgH="1396161" progId="CorelDraw.Graphic.21">
                   <p:embed/>
                   <p:pic>
                     <p:nvPicPr>
@@ -1967,7 +1787,7 @@
                       <p:nvPr/>
                     </p:nvPicPr>
                     <p:blipFill>
-                      <a:blip r:embed="rId11"/>
+                      <a:blip r:embed="rId5"/>
                       <a:stretch>
                         <a:fillRect/>
                       </a:stretch>
@@ -2016,12 +1836,12 @@
           <a:graphicData uri="http://schemas.openxmlformats.org/presentationml/2006/ole">
             <mc:AlternateContent xmlns:mc="http://schemas.openxmlformats.org/markup-compatibility/2006">
               <mc:Choice xmlns:v="urn:schemas-microsoft-com:vml" Requires="v">
-                <p:oleObj name="CorelDRAW" r:id="rId12" imgW="3857236" imgH="777027" progId="CorelDraw.Graphic.21">
+                <p:oleObj name="CorelDRAW" r:id="rId6" imgW="3857236" imgH="777027" progId="CorelDraw.Graphic.21">
                   <p:embed/>
                 </p:oleObj>
               </mc:Choice>
               <mc:Fallback>
-                <p:oleObj name="CorelDRAW" r:id="rId12" imgW="3857236" imgH="777027" progId="CorelDraw.Graphic.21">
+                <p:oleObj name="CorelDRAW" r:id="rId6" imgW="3857236" imgH="777027" progId="CorelDraw.Graphic.21">
                   <p:embed/>
                   <p:pic>
                     <p:nvPicPr>
@@ -2030,7 +1850,7 @@
                       <p:nvPr/>
                     </p:nvPicPr>
                     <p:blipFill>
-                      <a:blip r:embed="rId13"/>
+                      <a:blip r:embed="rId7"/>
                       <a:stretch>
                         <a:fillRect/>
                       </a:stretch>
@@ -2051,36 +1871,6 @@
           </a:graphicData>
         </a:graphic>
       </p:graphicFrame>
-      <p:pic>
-        <p:nvPicPr>
-          <p:cNvPr id="27" name="Imagen 26">
-            <a:extLst>
-              <a:ext uri="{FF2B5EF4-FFF2-40B4-BE49-F238E27FC236}">
-                <a16:creationId xmlns:a16="http://schemas.microsoft.com/office/drawing/2014/main" id="{803DF735-4E65-4EFC-9618-7D089AF1CF0C}"/>
-              </a:ext>
-            </a:extLst>
-          </p:cNvPr>
-          <p:cNvPicPr>
-            <a:picLocks noChangeAspect="1"/>
-          </p:cNvPicPr>
-          <p:nvPr userDrawn="1"/>
-        </p:nvPicPr>
-        <p:blipFill>
-          <a:blip r:embed="rId14"/>
-          <a:stretch>
-            <a:fillRect/>
-          </a:stretch>
-        </p:blipFill>
-        <p:spPr>
-          <a:xfrm>
-            <a:off x="8411164" y="5047695"/>
-            <a:ext cx="1839530" cy="567666"/>
-          </a:xfrm>
-          <a:prstGeom prst="rect">
-            <a:avLst/>
-          </a:prstGeom>
-        </p:spPr>
-      </p:pic>
       <p:sp>
         <p:nvSpPr>
           <p:cNvPr id="32" name="Title 1">
@@ -2171,10 +1961,10 @@
           <p:nvPr userDrawn="1"/>
         </p:nvPicPr>
         <p:blipFill>
-          <a:blip r:embed="rId15">
+          <a:blip r:embed="rId8">
             <a:extLst>
               <a:ext uri="{96DAC541-7B7A-43D3-8B79-37D633B846F1}">
-                <asvg:svgBlip xmlns:asvg="http://schemas.microsoft.com/office/drawing/2016/SVG/main" r:embed="rId16"/>
+                <asvg:svgBlip xmlns:asvg="http://schemas.microsoft.com/office/drawing/2016/SVG/main" r:embed="rId9"/>
               </a:ext>
             </a:extLst>
           </a:blip>
@@ -2271,10 +2061,10 @@
           <p:nvPr userDrawn="1"/>
         </p:nvPicPr>
         <p:blipFill>
-          <a:blip r:embed="rId17">
+          <a:blip r:embed="rId10">
             <a:extLst>
               <a:ext uri="{96DAC541-7B7A-43D3-8B79-37D633B846F1}">
-                <asvg:svgBlip xmlns:asvg="http://schemas.microsoft.com/office/drawing/2016/SVG/main" r:embed="rId18"/>
+                <asvg:svgBlip xmlns:asvg="http://schemas.microsoft.com/office/drawing/2016/SVG/main" r:embed="rId11"/>
               </a:ext>
             </a:extLst>
           </a:blip>
@@ -2286,6 +2076,246 @@
           <a:xfrm>
             <a:off x="5501889" y="2377869"/>
             <a:ext cx="1851408" cy="1347955"/>
+          </a:xfrm>
+          <a:prstGeom prst="rect">
+            <a:avLst/>
+          </a:prstGeom>
+        </p:spPr>
+      </p:pic>
+      <p:pic>
+        <p:nvPicPr>
+          <p:cNvPr id="25" name="Imagen 24">
+            <a:extLst>
+              <a:ext uri="{FF2B5EF4-FFF2-40B4-BE49-F238E27FC236}">
+                <a16:creationId xmlns:a16="http://schemas.microsoft.com/office/drawing/2014/main" id="{012AAF7E-4B0A-46EA-8BE6-074A940B0B65}"/>
+              </a:ext>
+            </a:extLst>
+          </p:cNvPr>
+          <p:cNvPicPr>
+            <a:picLocks noChangeAspect="1"/>
+          </p:cNvPicPr>
+          <p:nvPr userDrawn="1"/>
+        </p:nvPicPr>
+        <p:blipFill>
+          <a:blip r:embed="rId12"/>
+          <a:stretch>
+            <a:fillRect/>
+          </a:stretch>
+        </p:blipFill>
+        <p:spPr>
+          <a:xfrm>
+            <a:off x="6280496" y="5133072"/>
+            <a:ext cx="2243624" cy="690346"/>
+          </a:xfrm>
+          <a:prstGeom prst="rect">
+            <a:avLst/>
+          </a:prstGeom>
+        </p:spPr>
+      </p:pic>
+      <p:pic>
+        <p:nvPicPr>
+          <p:cNvPr id="29" name="Imagen 28">
+            <a:extLst>
+              <a:ext uri="{FF2B5EF4-FFF2-40B4-BE49-F238E27FC236}">
+                <a16:creationId xmlns:a16="http://schemas.microsoft.com/office/drawing/2014/main" id="{68F8E9F5-EDAC-40BA-8662-245D78B3F47B}"/>
+              </a:ext>
+            </a:extLst>
+          </p:cNvPr>
+          <p:cNvPicPr>
+            <a:picLocks noChangeAspect="1"/>
+          </p:cNvPicPr>
+          <p:nvPr userDrawn="1"/>
+        </p:nvPicPr>
+        <p:blipFill>
+          <a:blip r:embed="rId13"/>
+          <a:stretch>
+            <a:fillRect/>
+          </a:stretch>
+        </p:blipFill>
+        <p:spPr>
+          <a:xfrm>
+            <a:off x="6585173" y="5797267"/>
+            <a:ext cx="1582743" cy="586201"/>
+          </a:xfrm>
+          <a:prstGeom prst="rect">
+            <a:avLst/>
+          </a:prstGeom>
+        </p:spPr>
+      </p:pic>
+      <p:pic>
+        <p:nvPicPr>
+          <p:cNvPr id="30" name="Imagen 29">
+            <a:extLst>
+              <a:ext uri="{FF2B5EF4-FFF2-40B4-BE49-F238E27FC236}">
+                <a16:creationId xmlns:a16="http://schemas.microsoft.com/office/drawing/2014/main" id="{F8D6A802-AF22-43B2-9147-E858C2B5FB4B}"/>
+              </a:ext>
+            </a:extLst>
+          </p:cNvPr>
+          <p:cNvPicPr>
+            <a:picLocks noChangeAspect="1"/>
+          </p:cNvPicPr>
+          <p:nvPr userDrawn="1"/>
+        </p:nvPicPr>
+        <p:blipFill>
+          <a:blip r:embed="rId14"/>
+          <a:stretch>
+            <a:fillRect/>
+          </a:stretch>
+        </p:blipFill>
+        <p:spPr>
+          <a:xfrm>
+            <a:off x="1742944" y="5168113"/>
+            <a:ext cx="2015855" cy="620263"/>
+          </a:xfrm>
+          <a:prstGeom prst="rect">
+            <a:avLst/>
+          </a:prstGeom>
+        </p:spPr>
+      </p:pic>
+      <p:pic>
+        <p:nvPicPr>
+          <p:cNvPr id="31" name="Imagen 30">
+            <a:extLst>
+              <a:ext uri="{FF2B5EF4-FFF2-40B4-BE49-F238E27FC236}">
+                <a16:creationId xmlns:a16="http://schemas.microsoft.com/office/drawing/2014/main" id="{D490FA58-5B41-4949-866A-C873413BD60C}"/>
+              </a:ext>
+            </a:extLst>
+          </p:cNvPr>
+          <p:cNvPicPr>
+            <a:picLocks noChangeAspect="1"/>
+          </p:cNvPicPr>
+          <p:nvPr userDrawn="1"/>
+        </p:nvPicPr>
+        <p:blipFill>
+          <a:blip r:embed="rId15"/>
+          <a:stretch>
+            <a:fillRect/>
+          </a:stretch>
+        </p:blipFill>
+        <p:spPr>
+          <a:xfrm>
+            <a:off x="4058691" y="5210611"/>
+            <a:ext cx="2144054" cy="560669"/>
+          </a:xfrm>
+          <a:prstGeom prst="rect">
+            <a:avLst/>
+          </a:prstGeom>
+        </p:spPr>
+      </p:pic>
+      <p:pic>
+        <p:nvPicPr>
+          <p:cNvPr id="36" name="Imagen 35">
+            <a:extLst>
+              <a:ext uri="{FF2B5EF4-FFF2-40B4-BE49-F238E27FC236}">
+                <a16:creationId xmlns:a16="http://schemas.microsoft.com/office/drawing/2014/main" id="{CE177CA1-0A93-4EF6-9F53-778F010027D9}"/>
+              </a:ext>
+            </a:extLst>
+          </p:cNvPr>
+          <p:cNvPicPr>
+            <a:picLocks noChangeAspect="1"/>
+          </p:cNvPicPr>
+          <p:nvPr userDrawn="1"/>
+        </p:nvPicPr>
+        <p:blipFill>
+          <a:blip r:embed="rId16"/>
+          <a:stretch>
+            <a:fillRect/>
+          </a:stretch>
+        </p:blipFill>
+        <p:spPr>
+          <a:xfrm>
+            <a:off x="1946157" y="5911986"/>
+            <a:ext cx="1905154" cy="586201"/>
+          </a:xfrm>
+          <a:prstGeom prst="rect">
+            <a:avLst/>
+          </a:prstGeom>
+        </p:spPr>
+      </p:pic>
+      <p:pic>
+        <p:nvPicPr>
+          <p:cNvPr id="37" name="Imagen 36">
+            <a:extLst>
+              <a:ext uri="{FF2B5EF4-FFF2-40B4-BE49-F238E27FC236}">
+                <a16:creationId xmlns:a16="http://schemas.microsoft.com/office/drawing/2014/main" id="{2F191077-31C6-4997-8C11-C90E9EF5BD62}"/>
+              </a:ext>
+            </a:extLst>
+          </p:cNvPr>
+          <p:cNvPicPr>
+            <a:picLocks noChangeAspect="1"/>
+          </p:cNvPicPr>
+          <p:nvPr userDrawn="1"/>
+        </p:nvPicPr>
+        <p:blipFill>
+          <a:blip r:embed="rId17"/>
+          <a:stretch>
+            <a:fillRect/>
+          </a:stretch>
+        </p:blipFill>
+        <p:spPr>
+          <a:xfrm>
+            <a:off x="4305306" y="6000501"/>
+            <a:ext cx="1800350" cy="409170"/>
+          </a:xfrm>
+          <a:prstGeom prst="rect">
+            <a:avLst/>
+          </a:prstGeom>
+        </p:spPr>
+      </p:pic>
+      <p:pic>
+        <p:nvPicPr>
+          <p:cNvPr id="39" name="Imagen 38">
+            <a:extLst>
+              <a:ext uri="{FF2B5EF4-FFF2-40B4-BE49-F238E27FC236}">
+                <a16:creationId xmlns:a16="http://schemas.microsoft.com/office/drawing/2014/main" id="{08ABBF02-F3FA-401D-8146-A8F426FCE8F9}"/>
+              </a:ext>
+            </a:extLst>
+          </p:cNvPr>
+          <p:cNvPicPr>
+            <a:picLocks noChangeAspect="1"/>
+          </p:cNvPicPr>
+          <p:nvPr userDrawn="1"/>
+        </p:nvPicPr>
+        <p:blipFill>
+          <a:blip r:embed="rId18"/>
+          <a:stretch>
+            <a:fillRect/>
+          </a:stretch>
+        </p:blipFill>
+        <p:spPr>
+          <a:xfrm>
+            <a:off x="8653606" y="5054665"/>
+            <a:ext cx="1839530" cy="567666"/>
+          </a:xfrm>
+          <a:prstGeom prst="rect">
+            <a:avLst/>
+          </a:prstGeom>
+        </p:spPr>
+      </p:pic>
+      <p:pic>
+        <p:nvPicPr>
+          <p:cNvPr id="40" name="Imagen 39">
+            <a:extLst>
+              <a:ext uri="{FF2B5EF4-FFF2-40B4-BE49-F238E27FC236}">
+                <a16:creationId xmlns:a16="http://schemas.microsoft.com/office/drawing/2014/main" id="{415F1200-3BEC-44B6-8200-3E1DADA33299}"/>
+              </a:ext>
+            </a:extLst>
+          </p:cNvPr>
+          <p:cNvPicPr>
+            <a:picLocks noChangeAspect="1"/>
+          </p:cNvPicPr>
+          <p:nvPr userDrawn="1"/>
+        </p:nvPicPr>
+        <p:blipFill>
+          <a:blip r:embed="rId19"/>
+          <a:stretch>
+            <a:fillRect/>
+          </a:stretch>
+        </p:blipFill>
+        <p:spPr>
+          <a:xfrm>
+            <a:off x="8647433" y="5788376"/>
+            <a:ext cx="1839529" cy="634175"/>
           </a:xfrm>
           <a:prstGeom prst="rect">
             <a:avLst/>
@@ -25251,10 +25281,10 @@
       </p:grpSpPr>
       <p:sp>
         <p:nvSpPr>
-          <p:cNvPr id="8" name="Rectángulo 7">
+          <p:cNvPr id="37" name="Rectángulo 36">
             <a:extLst>
               <a:ext uri="{FF2B5EF4-FFF2-40B4-BE49-F238E27FC236}">
-                <a16:creationId xmlns:a16="http://schemas.microsoft.com/office/drawing/2014/main" id="{8E040693-2661-4727-9EA2-5950B412CA24}"/>
+                <a16:creationId xmlns:a16="http://schemas.microsoft.com/office/drawing/2014/main" id="{273F0350-E071-4854-91EC-C512115FF5E0}"/>
               </a:ext>
             </a:extLst>
           </p:cNvPr>
@@ -25330,10 +25360,10 @@
       </p:sp>
       <p:graphicFrame>
         <p:nvGraphicFramePr>
-          <p:cNvPr id="7" name="Objeto 6">
+          <p:cNvPr id="38" name="Objeto 37">
             <a:extLst>
               <a:ext uri="{FF2B5EF4-FFF2-40B4-BE49-F238E27FC236}">
-                <a16:creationId xmlns:a16="http://schemas.microsoft.com/office/drawing/2014/main" id="{32E413D6-B6AC-40F0-85EC-A2927B20E6EB}"/>
+                <a16:creationId xmlns:a16="http://schemas.microsoft.com/office/drawing/2014/main" id="{02D0E66F-5ADA-4EAF-8C88-5B78C39E4002}"/>
               </a:ext>
             </a:extLst>
           </p:cNvPr>
@@ -25343,7 +25373,7 @@
           <p:nvPr userDrawn="1">
             <p:extLst>
               <p:ext uri="{D42A27DB-BD31-4B8C-83A1-F6EECF244321}">
-                <p14:modId xmlns:p14="http://schemas.microsoft.com/office/powerpoint/2010/main" val="3812561144"/>
+                <p14:modId xmlns:p14="http://schemas.microsoft.com/office/powerpoint/2010/main" val="3758825584"/>
               </p:ext>
             </p:extLst>
           </p:nvPr>
@@ -25399,10 +25429,10 @@
       </p:graphicFrame>
       <p:pic>
         <p:nvPicPr>
-          <p:cNvPr id="3" name="Imagen 2">
+          <p:cNvPr id="39" name="Imagen 38">
             <a:extLst>
               <a:ext uri="{FF2B5EF4-FFF2-40B4-BE49-F238E27FC236}">
-                <a16:creationId xmlns:a16="http://schemas.microsoft.com/office/drawing/2014/main" id="{5A11A0A1-8810-4701-A8A9-861238804999}"/>
+                <a16:creationId xmlns:a16="http://schemas.microsoft.com/office/drawing/2014/main" id="{72F4F921-A0C7-46F7-A6E4-CD5CA06BD6D9}"/>
               </a:ext>
             </a:extLst>
           </p:cNvPr>
@@ -25429,10 +25459,10 @@
       </p:pic>
       <p:graphicFrame>
         <p:nvGraphicFramePr>
-          <p:cNvPr id="28" name="Objeto 27">
+          <p:cNvPr id="40" name="Objeto 39">
             <a:extLst>
               <a:ext uri="{FF2B5EF4-FFF2-40B4-BE49-F238E27FC236}">
-                <a16:creationId xmlns:a16="http://schemas.microsoft.com/office/drawing/2014/main" id="{5DEB6C23-8509-4297-A490-EE57516A61DD}"/>
+                <a16:creationId xmlns:a16="http://schemas.microsoft.com/office/drawing/2014/main" id="{26F0A01A-D278-46F0-BDEB-C94B712F881A}"/>
               </a:ext>
             </a:extLst>
           </p:cNvPr>
@@ -25442,7 +25472,7 @@
           <p:nvPr userDrawn="1">
             <p:extLst>
               <p:ext uri="{D42A27DB-BD31-4B8C-83A1-F6EECF244321}">
-                <p14:modId xmlns:p14="http://schemas.microsoft.com/office/powerpoint/2010/main" val="2545392785"/>
+                <p14:modId xmlns:p14="http://schemas.microsoft.com/office/powerpoint/2010/main" val="2734261753"/>
               </p:ext>
             </p:extLst>
           </p:nvPr>
@@ -25464,10 +25494,10 @@
                   <p:embed/>
                   <p:pic>
                     <p:nvPicPr>
-                      <p:cNvPr id="53" name="Objeto 52">
+                      <p:cNvPr id="28" name="Objeto 27">
                         <a:extLst>
                           <a:ext uri="{FF2B5EF4-FFF2-40B4-BE49-F238E27FC236}">
-                            <a16:creationId xmlns:a16="http://schemas.microsoft.com/office/drawing/2014/main" id="{D375AAF1-D2A6-4A0C-ACA4-DA571F5928D6}"/>
+                            <a16:creationId xmlns:a16="http://schemas.microsoft.com/office/drawing/2014/main" id="{5DEB6C23-8509-4297-A490-EE57516A61DD}"/>
                           </a:ext>
                         </a:extLst>
                       </p:cNvPr>
@@ -25498,10 +25528,10 @@
       </p:graphicFrame>
       <p:graphicFrame>
         <p:nvGraphicFramePr>
-          <p:cNvPr id="30" name="Objeto 29">
+          <p:cNvPr id="41" name="Objeto 40">
             <a:extLst>
               <a:ext uri="{FF2B5EF4-FFF2-40B4-BE49-F238E27FC236}">
-                <a16:creationId xmlns:a16="http://schemas.microsoft.com/office/drawing/2014/main" id="{A85AC8ED-2B29-42FA-9EBD-14E9BAB6053E}"/>
+                <a16:creationId xmlns:a16="http://schemas.microsoft.com/office/drawing/2014/main" id="{6FECC47E-C1E7-4508-861F-7C8988A5A86D}"/>
               </a:ext>
             </a:extLst>
           </p:cNvPr>
@@ -25511,7 +25541,7 @@
           <p:nvPr userDrawn="1">
             <p:extLst>
               <p:ext uri="{D42A27DB-BD31-4B8C-83A1-F6EECF244321}">
-                <p14:modId xmlns:p14="http://schemas.microsoft.com/office/powerpoint/2010/main" val="1996726143"/>
+                <p14:modId xmlns:p14="http://schemas.microsoft.com/office/powerpoint/2010/main" val="103777093"/>
               </p:ext>
             </p:extLst>
           </p:nvPr>
@@ -25533,10 +25563,10 @@
                   <p:embed/>
                   <p:pic>
                     <p:nvPicPr>
-                      <p:cNvPr id="52" name="Objeto 51">
+                      <p:cNvPr id="30" name="Objeto 29">
                         <a:extLst>
                           <a:ext uri="{FF2B5EF4-FFF2-40B4-BE49-F238E27FC236}">
-                            <a16:creationId xmlns:a16="http://schemas.microsoft.com/office/drawing/2014/main" id="{80529A44-97F2-4CF3-BF21-17DEA50D54E5}"/>
+                            <a16:creationId xmlns:a16="http://schemas.microsoft.com/office/drawing/2014/main" id="{A85AC8ED-2B29-42FA-9EBD-14E9BAB6053E}"/>
                           </a:ext>
                         </a:extLst>
                       </p:cNvPr>
@@ -25567,10 +25597,10 @@
       </p:graphicFrame>
       <p:pic>
         <p:nvPicPr>
-          <p:cNvPr id="18" name="Imagen 17">
+          <p:cNvPr id="42" name="Imagen 41">
             <a:extLst>
               <a:ext uri="{FF2B5EF4-FFF2-40B4-BE49-F238E27FC236}">
-                <a16:creationId xmlns:a16="http://schemas.microsoft.com/office/drawing/2014/main" id="{9B6F9D78-C58E-4D1B-A392-3D34DAA2B8B8}"/>
+                <a16:creationId xmlns:a16="http://schemas.microsoft.com/office/drawing/2014/main" id="{D51C1E66-ED45-4518-9EBE-5E87A22CD331}"/>
               </a:ext>
             </a:extLst>
           </p:cNvPr>
@@ -25587,7 +25617,7 @@
         </p:blipFill>
         <p:spPr>
           <a:xfrm>
-            <a:off x="501323" y="5106327"/>
+            <a:off x="535251" y="4091351"/>
             <a:ext cx="3299139" cy="1015120"/>
           </a:xfrm>
           <a:prstGeom prst="rect">
@@ -25597,10 +25627,10 @@
       </p:pic>
       <p:pic>
         <p:nvPicPr>
-          <p:cNvPr id="22" name="Imagen 21">
+          <p:cNvPr id="43" name="Imagen 42">
             <a:extLst>
               <a:ext uri="{FF2B5EF4-FFF2-40B4-BE49-F238E27FC236}">
-                <a16:creationId xmlns:a16="http://schemas.microsoft.com/office/drawing/2014/main" id="{EB90AF3C-936D-4D44-BFFA-A635C3D9EC15}"/>
+                <a16:creationId xmlns:a16="http://schemas.microsoft.com/office/drawing/2014/main" id="{3D6C515E-03E2-459C-B7B7-54E21F7156F6}"/>
               </a:ext>
             </a:extLst>
           </p:cNvPr>
@@ -25617,8 +25647,8 @@
         </p:blipFill>
         <p:spPr>
           <a:xfrm>
-            <a:off x="4795788" y="2889461"/>
-            <a:ext cx="2964216" cy="912066"/>
+            <a:off x="836952" y="5359947"/>
+            <a:ext cx="3152727" cy="824437"/>
           </a:xfrm>
           <a:prstGeom prst="rect">
             <a:avLst/>
@@ -25627,10 +25657,10 @@
       </p:pic>
       <p:pic>
         <p:nvPicPr>
-          <p:cNvPr id="24" name="Imagen 23">
+          <p:cNvPr id="44" name="Imagen 43">
             <a:extLst>
               <a:ext uri="{FF2B5EF4-FFF2-40B4-BE49-F238E27FC236}">
-                <a16:creationId xmlns:a16="http://schemas.microsoft.com/office/drawing/2014/main" id="{9A581694-116D-4273-8957-E6C28A72B8B6}"/>
+                <a16:creationId xmlns:a16="http://schemas.microsoft.com/office/drawing/2014/main" id="{2232957B-A028-4F7F-94E1-7DC51E25A069}"/>
               </a:ext>
             </a:extLst>
           </p:cNvPr>
@@ -25647,8 +25677,8 @@
         </p:blipFill>
         <p:spPr>
           <a:xfrm>
-            <a:off x="4770299" y="4103833"/>
-            <a:ext cx="3152727" cy="824437"/>
+            <a:off x="8701034" y="3081791"/>
+            <a:ext cx="2801436" cy="861980"/>
           </a:xfrm>
           <a:prstGeom prst="rect">
             <a:avLst/>
@@ -25657,10 +25687,10 @@
       </p:pic>
       <p:pic>
         <p:nvPicPr>
-          <p:cNvPr id="26" name="Imagen 25">
+          <p:cNvPr id="45" name="Imagen 44">
             <a:extLst>
               <a:ext uri="{FF2B5EF4-FFF2-40B4-BE49-F238E27FC236}">
-                <a16:creationId xmlns:a16="http://schemas.microsoft.com/office/drawing/2014/main" id="{5E015451-231A-4C28-BCF7-34141037A2EC}"/>
+                <a16:creationId xmlns:a16="http://schemas.microsoft.com/office/drawing/2014/main" id="{600B1B39-7A06-44C0-BBA1-A652E1F12155}"/>
               </a:ext>
             </a:extLst>
           </p:cNvPr>
@@ -25677,8 +25707,8 @@
         </p:blipFill>
         <p:spPr>
           <a:xfrm>
-            <a:off x="8656795" y="4066290"/>
-            <a:ext cx="2801436" cy="861980"/>
+            <a:off x="9075344" y="3970682"/>
+            <a:ext cx="2327347" cy="861980"/>
           </a:xfrm>
           <a:prstGeom prst="rect">
             <a:avLst/>
@@ -25687,10 +25717,10 @@
       </p:pic>
       <p:pic>
         <p:nvPicPr>
-          <p:cNvPr id="31" name="Imagen 30">
+          <p:cNvPr id="46" name="Imagen 45">
             <a:extLst>
               <a:ext uri="{FF2B5EF4-FFF2-40B4-BE49-F238E27FC236}">
-                <a16:creationId xmlns:a16="http://schemas.microsoft.com/office/drawing/2014/main" id="{C94DB5F8-B2BA-4BD7-B58D-7CB2A9C9CF1D}"/>
+                <a16:creationId xmlns:a16="http://schemas.microsoft.com/office/drawing/2014/main" id="{0CE82511-92A3-440C-82C3-54F844967550}"/>
               </a:ext>
             </a:extLst>
           </p:cNvPr>
@@ -25707,8 +25737,8 @@
         </p:blipFill>
         <p:spPr>
           <a:xfrm>
-            <a:off x="8892861" y="5034166"/>
-            <a:ext cx="2327347" cy="861980"/>
+            <a:off x="5003367" y="4755776"/>
+            <a:ext cx="2647327" cy="601665"/>
           </a:xfrm>
           <a:prstGeom prst="rect">
             <a:avLst/>
@@ -25717,10 +25747,10 @@
       </p:pic>
       <p:pic>
         <p:nvPicPr>
-          <p:cNvPr id="33" name="Imagen 32">
+          <p:cNvPr id="47" name="Imagen 46">
             <a:extLst>
               <a:ext uri="{FF2B5EF4-FFF2-40B4-BE49-F238E27FC236}">
-                <a16:creationId xmlns:a16="http://schemas.microsoft.com/office/drawing/2014/main" id="{13444165-BAE5-4873-BF7F-7492191AA9F3}"/>
+                <a16:creationId xmlns:a16="http://schemas.microsoft.com/office/drawing/2014/main" id="{FD6625A8-62E3-49F0-9C9B-7A7EFEF5551A}"/>
               </a:ext>
             </a:extLst>
           </p:cNvPr>
@@ -25737,8 +25767,8 @@
         </p:blipFill>
         <p:spPr>
           <a:xfrm>
-            <a:off x="5022998" y="5313055"/>
-            <a:ext cx="2647327" cy="601665"/>
+            <a:off x="1025219" y="3037343"/>
+            <a:ext cx="2594132" cy="800532"/>
           </a:xfrm>
           <a:prstGeom prst="rect">
             <a:avLst/>
@@ -25747,10 +25777,10 @@
       </p:pic>
       <p:pic>
         <p:nvPicPr>
-          <p:cNvPr id="27" name="Imagen 26">
+          <p:cNvPr id="48" name="Imagen 47">
             <a:extLst>
               <a:ext uri="{FF2B5EF4-FFF2-40B4-BE49-F238E27FC236}">
-                <a16:creationId xmlns:a16="http://schemas.microsoft.com/office/drawing/2014/main" id="{C947B99A-CDFB-4780-9AFD-0376495A6E46}"/>
+                <a16:creationId xmlns:a16="http://schemas.microsoft.com/office/drawing/2014/main" id="{C03D671F-2C0C-446B-B2E0-3AEFAAFDE5A2}"/>
               </a:ext>
             </a:extLst>
           </p:cNvPr>
@@ -25767,8 +25797,38 @@
         </p:blipFill>
         <p:spPr>
           <a:xfrm>
-            <a:off x="941074" y="4020721"/>
-            <a:ext cx="2594132" cy="800532"/>
+            <a:off x="9010948" y="5213153"/>
+            <a:ext cx="2391743" cy="824551"/>
+          </a:xfrm>
+          <a:prstGeom prst="rect">
+            <a:avLst/>
+          </a:prstGeom>
+        </p:spPr>
+      </p:pic>
+      <p:pic>
+        <p:nvPicPr>
+          <p:cNvPr id="49" name="Imagen 48">
+            <a:extLst>
+              <a:ext uri="{FF2B5EF4-FFF2-40B4-BE49-F238E27FC236}">
+                <a16:creationId xmlns:a16="http://schemas.microsoft.com/office/drawing/2014/main" id="{50F25640-35BE-4F0D-9012-7A856FBBCDCA}"/>
+              </a:ext>
+            </a:extLst>
+          </p:cNvPr>
+          <p:cNvPicPr>
+            <a:picLocks noChangeAspect="1"/>
+          </p:cNvPicPr>
+          <p:nvPr userDrawn="1"/>
+        </p:nvPicPr>
+        <p:blipFill>
+          <a:blip r:embed="rId16"/>
+          <a:stretch>
+            <a:fillRect/>
+          </a:stretch>
+        </p:blipFill>
+        <p:spPr>
+          <a:xfrm>
+            <a:off x="4831769" y="3336406"/>
+            <a:ext cx="2964216" cy="912066"/>
           </a:xfrm>
           <a:prstGeom prst="rect">
             <a:avLst/>
@@ -25828,7 +25888,7 @@
                                       <p:cBhvr>
                                         <p:cTn id="6" dur="20000" fill="hold"/>
                                         <p:tgtEl>
-                                          <p:spTgt spid="7"/>
+                                          <p:spTgt spid="38"/>
                                         </p:tgtEl>
                                         <p:attrNameLst>
                                           <p:attrName>r</p:attrName>
@@ -45046,6 +45106,15 @@
 </file>
 
 <file path=customXml/item1.xml><?xml version="1.0" encoding="utf-8"?>
+<?mso-contentType ?>
+<FormTemplates xmlns="http://schemas.microsoft.com/sharepoint/v3/contenttype/forms">
+  <Display>DocumentLibraryForm</Display>
+  <Edit>DocumentLibraryForm</Edit>
+  <New>DocumentLibraryForm</New>
+</FormTemplates>
+</file>
+
+<file path=customXml/item2.xml><?xml version="1.0" encoding="utf-8"?>
 <p:properties xmlns:p="http://schemas.microsoft.com/office/2006/metadata/properties" xmlns:xsi="http://www.w3.org/2001/XMLSchema-instance" xmlns:pc="http://schemas.microsoft.com/office/infopath/2007/PartnerControls">
   <documentManagement>
     <_ip_UnifiedCompliancePolicyUIAction xmlns="http://schemas.microsoft.com/sharepoint/v3" xsi:nil="true"/>
@@ -45105,15 +45174,6 @@
     </e1750f71052543bd8c4d7217e9f56da0>
   </documentManagement>
 </p:properties>
-</file>
-
-<file path=customXml/item2.xml><?xml version="1.0" encoding="utf-8"?>
-<?mso-contentType ?>
-<FormTemplates xmlns="http://schemas.microsoft.com/sharepoint/v3/contenttype/forms">
-  <Display>DocumentLibraryForm</Display>
-  <Edit>DocumentLibraryForm</Edit>
-  <New>DocumentLibraryForm</New>
-</FormTemplates>
 </file>
 
 <file path=customXml/item3.xml><?xml version="1.0" encoding="utf-8"?>
@@ -45538,6 +45598,14 @@
 </file>
 
 <file path=customXml/itemProps1.xml><?xml version="1.0" encoding="utf-8"?>
+<ds:datastoreItem xmlns:ds="http://schemas.openxmlformats.org/officeDocument/2006/customXml" ds:itemID="{758FDAC0-319D-4A54-8D8E-1D42CB1F8004}">
+  <ds:schemaRefs>
+    <ds:schemaRef ds:uri="http://schemas.microsoft.com/sharepoint/v3/contenttype/forms"/>
+  </ds:schemaRefs>
+</ds:datastoreItem>
+</file>
+
+<file path=customXml/itemProps2.xml><?xml version="1.0" encoding="utf-8"?>
 <ds:datastoreItem xmlns:ds="http://schemas.openxmlformats.org/officeDocument/2006/customXml" ds:itemID="{F990F116-B58F-4255-B05B-DA3808E0E5C6}">
   <ds:schemaRefs>
     <ds:schemaRef ds:uri="12239fb0-26c0-4a37-b790-6c81fba9d0fc"/>
@@ -45554,14 +45622,6 @@
     <ds:schemaRef ds:uri="9d1f81f6-e953-47ea-988e-33ed651c58e6"/>
     <ds:schemaRef ds:uri="5a4b3278-325d-441a-b38f-6f1926bc734e"/>
     <ds:schemaRef ds:uri="230e9df3-be65-4c73-a93b-d1236ebd677e"/>
-  </ds:schemaRefs>
-</ds:datastoreItem>
-</file>
-
-<file path=customXml/itemProps2.xml><?xml version="1.0" encoding="utf-8"?>
-<ds:datastoreItem xmlns:ds="http://schemas.openxmlformats.org/officeDocument/2006/customXml" ds:itemID="{758FDAC0-319D-4A54-8D8E-1D42CB1F8004}">
-  <ds:schemaRefs>
-    <ds:schemaRef ds:uri="http://schemas.microsoft.com/sharepoint/v3/contenttype/forms"/>
   </ds:schemaRefs>
 </ds:datastoreItem>
 </file>
